--- a/3. HTML & CSS & JS/강의자료/02.HTML 소개 및 기본 구문.pptx
+++ b/3. HTML & CSS & JS/강의자료/02.HTML 소개 및 기본 구문.pptx
@@ -142,7 +142,7 @@
   </p:defaultTextStyle>
   <p:extLst>
     <p:ext uri="{EFAFB233-063F-42B5-8137-9DF3F51BA10A}">
-      <p15:sldGuideLst xmlns:p15="http://schemas.microsoft.com/office/powerpoint/2012/main" xmlns=""/>
+      <p15:sldGuideLst xmlns="" xmlns:p15="http://schemas.microsoft.com/office/powerpoint/2012/main"/>
     </p:ext>
   </p:extLst>
 </p:presentation>
@@ -230,7 +230,7 @@
           <a:p>
             <a:fld id="{3F8B3AFA-9A27-4B6A-A67A-08C99A44A3A7}" type="datetimeFigureOut">
               <a:rPr lang="ko-KR" altLang="en-US" smtClean="0"/>
-              <a:t>2018-03-21</a:t>
+              <a:t>2018-09-28</a:t>
             </a:fld>
             <a:endParaRPr lang="ko-KR" altLang="en-US"/>
           </a:p>
@@ -656,7 +656,7 @@
             <a:fld id="{F675BAC6-7EE1-422B-8FE5-40737EF3DD31}" type="datetimeFigureOut">
               <a:rPr lang="ko-KR" altLang="en-US" smtClean="0"/>
               <a:pPr/>
-              <a:t>2018-03-21</a:t>
+              <a:t>2018-09-28</a:t>
             </a:fld>
             <a:endParaRPr lang="ko-KR" altLang="en-US"/>
           </a:p>
@@ -1059,7 +1059,7 @@
             <a:fld id="{F675BAC6-7EE1-422B-8FE5-40737EF3DD31}" type="datetimeFigureOut">
               <a:rPr lang="ko-KR" altLang="en-US" smtClean="0"/>
               <a:pPr/>
-              <a:t>2018-03-21</a:t>
+              <a:t>2018-09-28</a:t>
             </a:fld>
             <a:endParaRPr lang="ko-KR" altLang="en-US"/>
           </a:p>
@@ -1241,7 +1241,7 @@
             <a:fld id="{F675BAC6-7EE1-422B-8FE5-40737EF3DD31}" type="datetimeFigureOut">
               <a:rPr lang="ko-KR" altLang="en-US" smtClean="0"/>
               <a:pPr/>
-              <a:t>2018-03-21</a:t>
+              <a:t>2018-09-28</a:t>
             </a:fld>
             <a:endParaRPr lang="ko-KR" altLang="en-US"/>
           </a:p>
@@ -1393,7 +1393,7 @@
                 </a:solidFill>
               </a:rPr>
               <a:pPr/>
-              <a:t>2018-03-21</a:t>
+              <a:t>2018-09-28</a:t>
             </a:fld>
             <a:endParaRPr lang="ko-KR" altLang="en-US">
               <a:solidFill>
@@ -3409,7 +3409,7 @@
             <a:fld id="{F675BAC6-7EE1-422B-8FE5-40737EF3DD31}" type="datetimeFigureOut">
               <a:rPr lang="ko-KR" altLang="en-US" smtClean="0"/>
               <a:pPr/>
-              <a:t>2018-03-21</a:t>
+              <a:t>2018-09-28</a:t>
             </a:fld>
             <a:endParaRPr lang="ko-KR" altLang="en-US"/>
           </a:p>
@@ -3786,7 +3786,7 @@
             <a:fld id="{F675BAC6-7EE1-422B-8FE5-40737EF3DD31}" type="datetimeFigureOut">
               <a:rPr lang="ko-KR" altLang="en-US" smtClean="0"/>
               <a:pPr/>
-              <a:t>2018-03-21</a:t>
+              <a:t>2018-09-28</a:t>
             </a:fld>
             <a:endParaRPr lang="ko-KR" altLang="en-US"/>
           </a:p>
@@ -4020,7 +4020,7 @@
             <a:fld id="{F675BAC6-7EE1-422B-8FE5-40737EF3DD31}" type="datetimeFigureOut">
               <a:rPr lang="ko-KR" altLang="en-US" smtClean="0"/>
               <a:pPr/>
-              <a:t>2018-03-21</a:t>
+              <a:t>2018-09-28</a:t>
             </a:fld>
             <a:endParaRPr lang="ko-KR" altLang="en-US"/>
           </a:p>
@@ -4389,7 +4389,7 @@
             <a:fld id="{F675BAC6-7EE1-422B-8FE5-40737EF3DD31}" type="datetimeFigureOut">
               <a:rPr lang="ko-KR" altLang="en-US" smtClean="0"/>
               <a:pPr/>
-              <a:t>2018-03-21</a:t>
+              <a:t>2018-09-28</a:t>
             </a:fld>
             <a:endParaRPr lang="ko-KR" altLang="en-US"/>
           </a:p>
@@ -4486,7 +4486,7 @@
             <a:fld id="{F675BAC6-7EE1-422B-8FE5-40737EF3DD31}" type="datetimeFigureOut">
               <a:rPr lang="ko-KR" altLang="en-US" smtClean="0"/>
               <a:pPr/>
-              <a:t>2018-03-21</a:t>
+              <a:t>2018-09-28</a:t>
             </a:fld>
             <a:endParaRPr lang="ko-KR" altLang="en-US"/>
           </a:p>
@@ -4765,7 +4765,7 @@
             <a:fld id="{F675BAC6-7EE1-422B-8FE5-40737EF3DD31}" type="datetimeFigureOut">
               <a:rPr lang="ko-KR" altLang="en-US" smtClean="0"/>
               <a:pPr/>
-              <a:t>2018-03-21</a:t>
+              <a:t>2018-09-28</a:t>
             </a:fld>
             <a:endParaRPr lang="ko-KR" altLang="en-US"/>
           </a:p>
@@ -5024,7 +5024,7 @@
             <a:fld id="{F675BAC6-7EE1-422B-8FE5-40737EF3DD31}" type="datetimeFigureOut">
               <a:rPr lang="ko-KR" altLang="en-US" smtClean="0"/>
               <a:pPr/>
-              <a:t>2018-03-21</a:t>
+              <a:t>2018-09-28</a:t>
             </a:fld>
             <a:endParaRPr lang="ko-KR" altLang="en-US"/>
           </a:p>
@@ -5296,7 +5296,7 @@
             <a:fld id="{F675BAC6-7EE1-422B-8FE5-40737EF3DD31}" type="datetimeFigureOut">
               <a:rPr lang="ko-KR" altLang="en-US" smtClean="0"/>
               <a:pPr/>
-              <a:t>2018-03-21</a:t>
+              <a:t>2018-09-28</a:t>
             </a:fld>
             <a:endParaRPr lang="ko-KR" altLang="en-US"/>
           </a:p>
@@ -16065,11 +16065,7 @@
             </a:r>
             <a:r>
               <a:rPr lang="ko-KR" altLang="en-US" sz="2000" dirty="0" smtClean="0"/>
-              <a:t>에서는 </a:t>
-            </a:r>
-            <a:r>
-              <a:rPr lang="ko-KR" altLang="en-US" sz="2000" dirty="0" smtClean="0"/>
-              <a:t>사용하는 파일은 *</a:t>
+              <a:t>에서는 사용하는 파일은 *</a:t>
             </a:r>
             <a:r>
               <a:rPr lang="en-US" altLang="ko-KR" sz="2000" dirty="0"/>
@@ -16252,17 +16248,30 @@
             </a:r>
             <a:r>
               <a:rPr lang="ko-KR" altLang="en-US" sz="2000" dirty="0" err="1" smtClean="0">
+                <a:solidFill>
+                  <a:srgbClr val="FF0000"/>
+                </a:solidFill>
                 <a:latin typeface="가는각진제목체" pitchFamily="18" charset="-127"/>
                 <a:ea typeface="가는각진제목체" pitchFamily="18" charset="-127"/>
               </a:rPr>
               <a:t>마크업</a:t>
+            </a:r>
+            <a:r>
+              <a:rPr lang="ko-KR" altLang="en-US" sz="2000" dirty="0" smtClean="0">
+                <a:solidFill>
+                  <a:srgbClr val="FF0000"/>
+                </a:solidFill>
+                <a:latin typeface="가는각진제목체" pitchFamily="18" charset="-127"/>
+                <a:ea typeface="가는각진제목체" pitchFamily="18" charset="-127"/>
+              </a:rPr>
+              <a:t> 언어</a:t>
             </a:r>
             <a:r>
               <a:rPr lang="ko-KR" altLang="en-US" sz="2000" dirty="0" smtClean="0">
                 <a:latin typeface="가는각진제목체" pitchFamily="18" charset="-127"/>
                 <a:ea typeface="가는각진제목체" pitchFamily="18" charset="-127"/>
               </a:rPr>
-              <a:t> 언어이다</a:t>
+              <a:t>이다</a:t>
             </a:r>
             <a:r>
               <a:rPr lang="en-US" altLang="ko-KR" sz="2000" dirty="0" smtClean="0">
@@ -16607,6 +16616,78 @@
           </a:prstGeom>
         </p:spPr>
       </p:pic>
+      <p:sp>
+        <p:nvSpPr>
+          <p:cNvPr id="2" name="TextBox 1"/>
+          <p:cNvSpPr txBox="1"/>
+          <p:nvPr/>
+        </p:nvSpPr>
+        <p:spPr>
+          <a:xfrm>
+            <a:off x="7937770" y="3190672"/>
+            <a:ext cx="3128334" cy="276999"/>
+          </a:xfrm>
+          <a:prstGeom prst="rect">
+            <a:avLst/>
+          </a:prstGeom>
+          <a:noFill/>
+        </p:spPr>
+        <p:txBody>
+          <a:bodyPr wrap="square" rtlCol="0">
+            <a:spAutoFit/>
+          </a:bodyPr>
+          <a:lstStyle/>
+          <a:p>
+            <a:r>
+              <a:rPr lang="ko-KR" altLang="en-US" sz="1200" dirty="0" smtClean="0"/>
+              <a:t>예전에 유닉스에서 </a:t>
+            </a:r>
+            <a:r>
+              <a:rPr lang="en-US" altLang="ko-KR" sz="1200" dirty="0" smtClean="0"/>
+              <a:t>3</a:t>
+            </a:r>
+            <a:r>
+              <a:rPr lang="ko-KR" altLang="en-US" sz="1200" dirty="0" smtClean="0"/>
+              <a:t>자리만 지원해서</a:t>
+            </a:r>
+            <a:r>
+              <a:rPr lang="en-US" altLang="ko-KR" sz="1200" dirty="0" smtClean="0"/>
+              <a:t>…</a:t>
+            </a:r>
+            <a:endParaRPr lang="ko-KR" altLang="en-US" sz="1200" dirty="0"/>
+          </a:p>
+        </p:txBody>
+      </p:sp>
+      <p:sp>
+        <p:nvSpPr>
+          <p:cNvPr id="6" name="TextBox 5"/>
+          <p:cNvSpPr txBox="1"/>
+          <p:nvPr/>
+        </p:nvSpPr>
+        <p:spPr>
+          <a:xfrm>
+            <a:off x="6614806" y="5894962"/>
+            <a:ext cx="2199445" cy="369332"/>
+          </a:xfrm>
+          <a:prstGeom prst="rect">
+            <a:avLst/>
+          </a:prstGeom>
+          <a:noFill/>
+        </p:spPr>
+        <p:txBody>
+          <a:bodyPr wrap="square" rtlCol="0">
+            <a:spAutoFit/>
+          </a:bodyPr>
+          <a:lstStyle/>
+          <a:p>
+            <a:r>
+              <a:rPr lang="en-US" altLang="ko-KR" dirty="0" smtClean="0"/>
+              <a:t>W3C : consortium</a:t>
+            </a:r>
+            <a:endParaRPr lang="ko-KR" altLang="en-US" dirty="0"/>
+          </a:p>
+        </p:txBody>
+      </p:sp>
     </p:spTree>
     <p:extLst>
       <p:ext uri="{BB962C8B-B14F-4D97-AF65-F5344CB8AC3E}">
@@ -20059,7 +20140,7 @@
   <a:extraClrSchemeLst/>
   <a:extLst>
     <a:ext uri="{05A4C25C-085E-4340-85A3-A5531E510DB2}">
-      <thm15:themeFamily xmlns:thm15="http://schemas.microsoft.com/office/thememl/2012/main" xmlns="" name="정석ppt" id="{38BFCA02-BA6F-47FE-A4FF-63C33374CB10}" vid="{58476C69-79CC-4D19-9A7A-1829079BC06F}"/>
+      <thm15:themeFamily xmlns="" xmlns:thm15="http://schemas.microsoft.com/office/thememl/2012/main" name="정석ppt" id="{38BFCA02-BA6F-47FE-A4FF-63C33374CB10}" vid="{58476C69-79CC-4D19-9A7A-1829079BC06F}"/>
     </a:ext>
   </a:extLst>
 </a:theme>
